--- a/Business Knowledge/Document Management Services.pptx
+++ b/Business Knowledge/Document Management Services.pptx
@@ -2964,7 +2964,7 @@
         </p:spPr>
         <p:txBody>
           <a:bodyPr>
-            <a:normAutofit lnSpcReduction="10000"/>
+            <a:normAutofit/>
           </a:bodyPr>
           <a:p>
             <a:pPr marL="0" indent="0">
@@ -2974,10 +2974,43 @@
               <a:buNone/>
             </a:pPr>
             <a:r>
-              <a:rPr lang="en-GB" altLang="en-US"/>
+              <a:rPr lang="en-GB" altLang="en-US" sz="2000"/>
               <a:t>Document Management Services aimed at authoring, handling and storing of documents consistently across the Bank.</a:t>
             </a:r>
-            <a:endParaRPr lang="en-GB" altLang="en-US"/>
+            <a:endParaRPr lang="en-GB" altLang="en-US" sz="2000"/>
+          </a:p>
+          <a:p>
+            <a:pPr marL="0" lvl="0" indent="0">
+              <a:lnSpc>
+                <a:spcPct val="100000"/>
+              </a:lnSpc>
+              <a:buNone/>
+            </a:pPr>
+            <a:endParaRPr lang="en-GB" altLang="en-US" sz="2000"/>
+          </a:p>
+          <a:p>
+            <a:pPr marL="0" lvl="0" indent="0">
+              <a:lnSpc>
+                <a:spcPct val="100000"/>
+              </a:lnSpc>
+              <a:buNone/>
+            </a:pPr>
+            <a:r>
+              <a:rPr lang="en-GB" altLang="en-US" sz="2000" b="1">
+                <a:solidFill>
+                  <a:srgbClr val="00B050"/>
+                </a:solidFill>
+                <a:sym typeface="+mn-ea"/>
+              </a:rPr>
+              <a:t>Clients worked for: </a:t>
+            </a:r>
+            <a:r>
+              <a:rPr lang="en-GB" altLang="en-US" sz="2000">
+                <a:sym typeface="+mn-ea"/>
+              </a:rPr>
+              <a:t>Barclays Wealth</a:t>
+            </a:r>
+            <a:endParaRPr lang="en-GB" altLang="en-US" sz="2000"/>
           </a:p>
           <a:p>
             <a:pPr marL="0" indent="0">
@@ -2987,10 +3020,12 @@
               <a:buNone/>
             </a:pPr>
             <a:r>
-              <a:rPr lang="en-GB" altLang="en-US"/>
-              <a:t>Doument Management Services included:</a:t>
-            </a:r>
-            <a:endParaRPr lang="en-GB" altLang="en-US"/>
+              <a:rPr lang="en-GB" altLang="en-US" sz="2000">
+                <a:sym typeface="+mn-ea"/>
+              </a:rPr>
+              <a:t>Barclays Wealth Doument Management Services included:</a:t>
+            </a:r>
+            <a:endParaRPr lang="en-GB" altLang="en-US" sz="2000"/>
           </a:p>
           <a:p>
             <a:pPr marL="914400" lvl="1" indent="-457200">
@@ -3000,10 +3035,12 @@
               <a:buAutoNum type="arabicPeriod"/>
             </a:pPr>
             <a:r>
-              <a:rPr lang="en-GB" altLang="en-US"/>
+              <a:rPr lang="en-GB" altLang="en-US" sz="2000">
+                <a:sym typeface="+mn-ea"/>
+              </a:rPr>
               <a:t>Document Authoring</a:t>
             </a:r>
-            <a:endParaRPr lang="en-GB" altLang="en-US"/>
+            <a:endParaRPr lang="en-GB" altLang="en-US" sz="2000"/>
           </a:p>
           <a:p>
             <a:pPr marL="914400" lvl="1" indent="-457200">
@@ -3013,10 +3050,12 @@
               <a:buAutoNum type="arabicPeriod"/>
             </a:pPr>
             <a:r>
-              <a:rPr lang="en-GB" altLang="en-US"/>
+              <a:rPr lang="en-GB" altLang="en-US" sz="2000">
+                <a:sym typeface="+mn-ea"/>
+              </a:rPr>
               <a:t>Multi-channel capture </a:t>
             </a:r>
-            <a:endParaRPr lang="en-GB" altLang="en-US"/>
+            <a:endParaRPr lang="en-GB" altLang="en-US" sz="2000"/>
           </a:p>
           <a:p>
             <a:pPr marL="914400" lvl="1" indent="-457200">
@@ -3026,10 +3065,12 @@
               <a:buAutoNum type="arabicPeriod"/>
             </a:pPr>
             <a:r>
-              <a:rPr lang="en-GB" altLang="en-US"/>
+              <a:rPr lang="en-GB" altLang="en-US" sz="2000">
+                <a:sym typeface="+mn-ea"/>
+              </a:rPr>
               <a:t>Auto-Indexing</a:t>
             </a:r>
-            <a:endParaRPr lang="en-GB" altLang="en-US"/>
+            <a:endParaRPr lang="en-GB" altLang="en-US" sz="2000"/>
           </a:p>
           <a:p>
             <a:pPr marL="914400" lvl="1" indent="-457200">
@@ -3039,10 +3080,12 @@
               <a:buAutoNum type="arabicPeriod"/>
             </a:pPr>
             <a:r>
-              <a:rPr lang="en-GB" altLang="en-US"/>
+              <a:rPr lang="en-GB" altLang="en-US" sz="2000">
+                <a:sym typeface="+mn-ea"/>
+              </a:rPr>
               <a:t>Scanning (Kofax/Captiva) &amp;</a:t>
             </a:r>
-            <a:endParaRPr lang="en-GB" altLang="en-US"/>
+            <a:endParaRPr lang="en-GB" altLang="en-US" sz="2000"/>
           </a:p>
           <a:p>
             <a:pPr marL="914400" lvl="1" indent="-457200">
@@ -3052,10 +3095,12 @@
               <a:buAutoNum type="arabicPeriod"/>
             </a:pPr>
             <a:r>
-              <a:rPr lang="en-GB" altLang="en-US"/>
+              <a:rPr lang="en-GB" altLang="en-US" sz="2000">
+                <a:sym typeface="+mn-ea"/>
+              </a:rPr>
               <a:t>Records Management</a:t>
             </a:r>
-            <a:endParaRPr lang="en-GB" altLang="en-US"/>
+            <a:endParaRPr lang="en-GB" altLang="en-US" sz="2000"/>
           </a:p>
           <a:p>
             <a:pPr marL="457200" lvl="1" indent="0">
@@ -3064,7 +3109,7 @@
               </a:lnSpc>
               <a:buNone/>
             </a:pPr>
-            <a:endParaRPr lang="en-GB" altLang="en-US"/>
+            <a:endParaRPr lang="en-GB" altLang="en-US" sz="2000"/>
           </a:p>
           <a:p>
             <a:pPr marL="0" lvl="0" indent="0">
@@ -3074,88 +3119,12 @@
               <a:buNone/>
             </a:pPr>
             <a:r>
-              <a:rPr lang="en-GB" altLang="en-US"/>
-              <a:t>The project aimed at replacing IBM CMOD with an inhouse uniform way of authoring and handling documents across the Bank.</a:t>
-            </a:r>
-            <a:endParaRPr lang="en-GB" altLang="en-US"/>
-          </a:p>
-          <a:p>
-            <a:pPr marL="0" lvl="0" indent="0">
-              <a:lnSpc>
-                <a:spcPct val="100000"/>
-              </a:lnSpc>
-              <a:buNone/>
-            </a:pPr>
-            <a:endParaRPr lang="en-GB" altLang="en-US"/>
-          </a:p>
-          <a:p>
-            <a:pPr marL="0" lvl="0" indent="0">
-              <a:lnSpc>
-                <a:spcPct val="100000"/>
-              </a:lnSpc>
-              <a:buNone/>
-            </a:pPr>
-            <a:r>
-              <a:rPr lang="en-GB" altLang="en-US" b="1">
-                <a:solidFill>
-                  <a:srgbClr val="00B050"/>
-                </a:solidFill>
+              <a:rPr lang="en-GB" altLang="en-US" sz="2000">
                 <a:sym typeface="+mn-ea"/>
               </a:rPr>
-              <a:t>Clients worked for: </a:t>
-            </a:r>
-            <a:r>
-              <a:rPr lang="en-GB" altLang="en-US">
-                <a:sym typeface="+mn-ea"/>
-              </a:rPr>
-              <a:t>Barclays Wealth</a:t>
-            </a:r>
-            <a:endParaRPr lang="en-GB" altLang="en-US"/>
-          </a:p>
-          <a:p>
-            <a:pPr marL="0" lvl="0" indent="0">
-              <a:lnSpc>
-                <a:spcPct val="100000"/>
-              </a:lnSpc>
-              <a:buNone/>
-            </a:pPr>
-            <a:endParaRPr lang="en-GB" altLang="en-US"/>
-          </a:p>
-          <a:p>
-            <a:pPr marL="0" lvl="0" indent="0">
-              <a:lnSpc>
-                <a:spcPct val="100000"/>
-              </a:lnSpc>
-              <a:buNone/>
-            </a:pPr>
-            <a:endParaRPr lang="en-GB" altLang="en-US"/>
-          </a:p>
-          <a:p>
-            <a:pPr marL="914400" lvl="1" indent="-457200">
-              <a:lnSpc>
-                <a:spcPct val="100000"/>
-              </a:lnSpc>
-              <a:buAutoNum type="arabicPeriod"/>
-            </a:pPr>
-            <a:endParaRPr lang="en-GB" altLang="en-US"/>
-          </a:p>
-          <a:p>
-            <a:pPr marL="514350" indent="-514350">
-              <a:lnSpc>
-                <a:spcPct val="100000"/>
-              </a:lnSpc>
-              <a:buNone/>
-            </a:pPr>
-            <a:endParaRPr lang="en-GB" altLang="en-US"/>
-          </a:p>
-          <a:p>
-            <a:pPr marL="0" indent="0">
-              <a:lnSpc>
-                <a:spcPct val="100000"/>
-              </a:lnSpc>
-              <a:buNone/>
-            </a:pPr>
-            <a:endParaRPr lang="en-GB" altLang="en-US"/>
+              <a:t>The project aimed at replacing IBM CMOD with an inhouse uniform way of authoring and handling documents across the Bank.</a:t>
+            </a:r>
+            <a:endParaRPr lang="en-GB" altLang="en-US" sz="2000"/>
           </a:p>
         </p:txBody>
       </p:sp>
